--- a/顧客管理マニュアル.pptx
+++ b/顧客管理マニュアル.pptx
@@ -2,7 +2,7 @@
 <file path=ppt/presentation.xml><?xml version="1.0" encoding="utf-8"?>
 <p:presentation xmlns:a="http://schemas.openxmlformats.org/drawingml/2006/main" xmlns:r="http://schemas.openxmlformats.org/officeDocument/2006/relationships" xmlns:p="http://schemas.openxmlformats.org/presentationml/2006/main" saveSubsetFonts="1">
   <p:sldMasterIdLst>
-    <p:sldMasterId id="2147483660" r:id="rId1"/>
+    <p:sldMasterId id="2147483706" r:id="rId1"/>
   </p:sldMasterIdLst>
   <p:sldIdLst>
     <p:sldId id="256" r:id="rId2"/>
@@ -895,7 +895,7 @@
     </p:spTree>
     <p:extLst>
       <p:ext uri="{BB962C8B-B14F-4D97-AF65-F5344CB8AC3E}">
-        <p14:creationId xmlns:p14="http://schemas.microsoft.com/office/powerpoint/2010/main" val="3770903812"/>
+        <p14:creationId xmlns:p14="http://schemas.microsoft.com/office/powerpoint/2010/main" val="2720651244"/>
       </p:ext>
     </p:extLst>
   </p:cSld>
@@ -1146,7 +1146,7 @@
     </p:spTree>
     <p:extLst>
       <p:ext uri="{BB962C8B-B14F-4D97-AF65-F5344CB8AC3E}">
-        <p14:creationId xmlns:p14="http://schemas.microsoft.com/office/powerpoint/2010/main" val="1851100575"/>
+        <p14:creationId xmlns:p14="http://schemas.microsoft.com/office/powerpoint/2010/main" val="2924875267"/>
       </p:ext>
     </p:extLst>
   </p:cSld>
@@ -1550,7 +1550,7 @@
     </p:spTree>
     <p:extLst>
       <p:ext uri="{BB962C8B-B14F-4D97-AF65-F5344CB8AC3E}">
-        <p14:creationId xmlns:p14="http://schemas.microsoft.com/office/powerpoint/2010/main" val="3945565624"/>
+        <p14:creationId xmlns:p14="http://schemas.microsoft.com/office/powerpoint/2010/main" val="1157349776"/>
       </p:ext>
     </p:extLst>
   </p:cSld>
@@ -1801,7 +1801,7 @@
     </p:spTree>
     <p:extLst>
       <p:ext uri="{BB962C8B-B14F-4D97-AF65-F5344CB8AC3E}">
-        <p14:creationId xmlns:p14="http://schemas.microsoft.com/office/powerpoint/2010/main" val="749442306"/>
+        <p14:creationId xmlns:p14="http://schemas.microsoft.com/office/powerpoint/2010/main" val="2609511758"/>
       </p:ext>
     </p:extLst>
   </p:cSld>
@@ -2197,7 +2197,7 @@
     </p:spTree>
     <p:extLst>
       <p:ext uri="{BB962C8B-B14F-4D97-AF65-F5344CB8AC3E}">
-        <p14:creationId xmlns:p14="http://schemas.microsoft.com/office/powerpoint/2010/main" val="1303587467"/>
+        <p14:creationId xmlns:p14="http://schemas.microsoft.com/office/powerpoint/2010/main" val="975517393"/>
       </p:ext>
     </p:extLst>
   </p:cSld>
@@ -2508,7 +2508,7 @@
     </p:spTree>
     <p:extLst>
       <p:ext uri="{BB962C8B-B14F-4D97-AF65-F5344CB8AC3E}">
-        <p14:creationId xmlns:p14="http://schemas.microsoft.com/office/powerpoint/2010/main" val="3810968231"/>
+        <p14:creationId xmlns:p14="http://schemas.microsoft.com/office/powerpoint/2010/main" val="731539889"/>
       </p:ext>
     </p:extLst>
   </p:cSld>
@@ -2710,7 +2710,7 @@
     </p:spTree>
     <p:extLst>
       <p:ext uri="{BB962C8B-B14F-4D97-AF65-F5344CB8AC3E}">
-        <p14:creationId xmlns:p14="http://schemas.microsoft.com/office/powerpoint/2010/main" val="1287014390"/>
+        <p14:creationId xmlns:p14="http://schemas.microsoft.com/office/powerpoint/2010/main" val="35161963"/>
       </p:ext>
     </p:extLst>
   </p:cSld>
@@ -2922,7 +2922,7 @@
     </p:spTree>
     <p:extLst>
       <p:ext uri="{BB962C8B-B14F-4D97-AF65-F5344CB8AC3E}">
-        <p14:creationId xmlns:p14="http://schemas.microsoft.com/office/powerpoint/2010/main" val="3051117938"/>
+        <p14:creationId xmlns:p14="http://schemas.microsoft.com/office/powerpoint/2010/main" val="3944825200"/>
       </p:ext>
     </p:extLst>
   </p:cSld>
@@ -3130,7 +3130,7 @@
     </p:spTree>
     <p:extLst>
       <p:ext uri="{BB962C8B-B14F-4D97-AF65-F5344CB8AC3E}">
-        <p14:creationId xmlns:p14="http://schemas.microsoft.com/office/powerpoint/2010/main" val="607469305"/>
+        <p14:creationId xmlns:p14="http://schemas.microsoft.com/office/powerpoint/2010/main" val="3769849568"/>
       </p:ext>
     </p:extLst>
   </p:cSld>
@@ -3377,7 +3377,7 @@
     </p:spTree>
     <p:extLst>
       <p:ext uri="{BB962C8B-B14F-4D97-AF65-F5344CB8AC3E}">
-        <p14:creationId xmlns:p14="http://schemas.microsoft.com/office/powerpoint/2010/main" val="190482986"/>
+        <p14:creationId xmlns:p14="http://schemas.microsoft.com/office/powerpoint/2010/main" val="4013185715"/>
       </p:ext>
     </p:extLst>
   </p:cSld>
@@ -3673,7 +3673,7 @@
     </p:spTree>
     <p:extLst>
       <p:ext uri="{BB962C8B-B14F-4D97-AF65-F5344CB8AC3E}">
-        <p14:creationId xmlns:p14="http://schemas.microsoft.com/office/powerpoint/2010/main" val="847219331"/>
+        <p14:creationId xmlns:p14="http://schemas.microsoft.com/office/powerpoint/2010/main" val="3139246387"/>
       </p:ext>
     </p:extLst>
   </p:cSld>
@@ -4111,7 +4111,7 @@
     </p:spTree>
     <p:extLst>
       <p:ext uri="{BB962C8B-B14F-4D97-AF65-F5344CB8AC3E}">
-        <p14:creationId xmlns:p14="http://schemas.microsoft.com/office/powerpoint/2010/main" val="1838735141"/>
+        <p14:creationId xmlns:p14="http://schemas.microsoft.com/office/powerpoint/2010/main" val="1214131406"/>
       </p:ext>
     </p:extLst>
   </p:cSld>
@@ -4234,7 +4234,7 @@
     </p:spTree>
     <p:extLst>
       <p:ext uri="{BB962C8B-B14F-4D97-AF65-F5344CB8AC3E}">
-        <p14:creationId xmlns:p14="http://schemas.microsoft.com/office/powerpoint/2010/main" val="3070873435"/>
+        <p14:creationId xmlns:p14="http://schemas.microsoft.com/office/powerpoint/2010/main" val="728028674"/>
       </p:ext>
     </p:extLst>
   </p:cSld>
@@ -4329,7 +4329,7 @@
     </p:spTree>
     <p:extLst>
       <p:ext uri="{BB962C8B-B14F-4D97-AF65-F5344CB8AC3E}">
-        <p14:creationId xmlns:p14="http://schemas.microsoft.com/office/powerpoint/2010/main" val="486950966"/>
+        <p14:creationId xmlns:p14="http://schemas.microsoft.com/office/powerpoint/2010/main" val="1141075351"/>
       </p:ext>
     </p:extLst>
   </p:cSld>
@@ -4616,7 +4616,7 @@
     </p:spTree>
     <p:extLst>
       <p:ext uri="{BB962C8B-B14F-4D97-AF65-F5344CB8AC3E}">
-        <p14:creationId xmlns:p14="http://schemas.microsoft.com/office/powerpoint/2010/main" val="1605715433"/>
+        <p14:creationId xmlns:p14="http://schemas.microsoft.com/office/powerpoint/2010/main" val="2766546192"/>
       </p:ext>
     </p:extLst>
   </p:cSld>
@@ -4879,7 +4879,7 @@
     </p:spTree>
     <p:extLst>
       <p:ext uri="{BB962C8B-B14F-4D97-AF65-F5344CB8AC3E}">
-        <p14:creationId xmlns:p14="http://schemas.microsoft.com/office/powerpoint/2010/main" val="578635755"/>
+        <p14:creationId xmlns:p14="http://schemas.microsoft.com/office/powerpoint/2010/main" val="2112425852"/>
       </p:ext>
     </p:extLst>
   </p:cSld>
@@ -5688,28 +5688,28 @@
     </p:spTree>
     <p:extLst>
       <p:ext uri="{BB962C8B-B14F-4D97-AF65-F5344CB8AC3E}">
-        <p14:creationId xmlns:p14="http://schemas.microsoft.com/office/powerpoint/2010/main" val="301995328"/>
+        <p14:creationId xmlns:p14="http://schemas.microsoft.com/office/powerpoint/2010/main" val="129626787"/>
       </p:ext>
     </p:extLst>
   </p:cSld>
   <p:clrMap bg1="lt1" tx1="dk1" bg2="lt2" tx2="dk2" accent1="accent1" accent2="accent2" accent3="accent3" accent4="accent4" accent5="accent5" accent6="accent6" hlink="hlink" folHlink="folHlink"/>
   <p:sldLayoutIdLst>
-    <p:sldLayoutId id="2147483661" r:id="rId1"/>
-    <p:sldLayoutId id="2147483662" r:id="rId2"/>
-    <p:sldLayoutId id="2147483663" r:id="rId3"/>
-    <p:sldLayoutId id="2147483664" r:id="rId4"/>
-    <p:sldLayoutId id="2147483665" r:id="rId5"/>
-    <p:sldLayoutId id="2147483666" r:id="rId6"/>
-    <p:sldLayoutId id="2147483667" r:id="rId7"/>
-    <p:sldLayoutId id="2147483668" r:id="rId8"/>
-    <p:sldLayoutId id="2147483669" r:id="rId9"/>
-    <p:sldLayoutId id="2147483670" r:id="rId10"/>
-    <p:sldLayoutId id="2147483671" r:id="rId11"/>
-    <p:sldLayoutId id="2147483672" r:id="rId12"/>
-    <p:sldLayoutId id="2147483673" r:id="rId13"/>
-    <p:sldLayoutId id="2147483674" r:id="rId14"/>
-    <p:sldLayoutId id="2147483675" r:id="rId15"/>
-    <p:sldLayoutId id="2147483676" r:id="rId16"/>
+    <p:sldLayoutId id="2147483707" r:id="rId1"/>
+    <p:sldLayoutId id="2147483708" r:id="rId2"/>
+    <p:sldLayoutId id="2147483709" r:id="rId3"/>
+    <p:sldLayoutId id="2147483710" r:id="rId4"/>
+    <p:sldLayoutId id="2147483711" r:id="rId5"/>
+    <p:sldLayoutId id="2147483712" r:id="rId6"/>
+    <p:sldLayoutId id="2147483713" r:id="rId7"/>
+    <p:sldLayoutId id="2147483714" r:id="rId8"/>
+    <p:sldLayoutId id="2147483715" r:id="rId9"/>
+    <p:sldLayoutId id="2147483716" r:id="rId10"/>
+    <p:sldLayoutId id="2147483717" r:id="rId11"/>
+    <p:sldLayoutId id="2147483718" r:id="rId12"/>
+    <p:sldLayoutId id="2147483719" r:id="rId13"/>
+    <p:sldLayoutId id="2147483720" r:id="rId14"/>
+    <p:sldLayoutId id="2147483721" r:id="rId15"/>
+    <p:sldLayoutId id="2147483722" r:id="rId16"/>
   </p:sldLayoutIdLst>
   <p:txStyles>
     <p:titleStyle>
@@ -6165,7 +6165,18 @@
           <a:bodyPr/>
           <a:lstStyle/>
           <a:p>
-            <a:endParaRPr kumimoji="1" lang="ja-JP" altLang="en-US"/>
+            <a:r>
+              <a:rPr kumimoji="1" lang="en-US" altLang="ja-JP" dirty="0" smtClean="0"/>
+              <a:t>4270_</a:t>
+            </a:r>
+            <a:r>
+              <a:rPr kumimoji="1" lang="ja-JP" altLang="en-US" dirty="0" smtClean="0"/>
+              <a:t>重田紘輝</a:t>
+            </a:r>
+            <a:endParaRPr kumimoji="1" lang="en-US" altLang="ja-JP" dirty="0" smtClean="0"/>
+          </a:p>
+          <a:p>
+            <a:endParaRPr kumimoji="1" lang="ja-JP" altLang="en-US" dirty="0"/>
           </a:p>
         </p:txBody>
       </p:sp>
@@ -6179,6 +6190,13 @@
   <p:clrMapOvr>
     <a:masterClrMapping/>
   </p:clrMapOvr>
+  <p:timing>
+    <p:tnLst>
+      <p:par>
+        <p:cTn id="1" dur="indefinite" restart="never" nodeType="tmRoot"/>
+      </p:par>
+    </p:tnLst>
+  </p:timing>
 </p:sld>
 </file>
 
@@ -6211,18 +6229,20 @@
         </p:nvSpPr>
         <p:spPr/>
         <p:txBody>
-          <a:bodyPr/>
-          <a:lstStyle/>
-          <a:p>
-            <a:r>
-              <a:rPr kumimoji="1" lang="ja-JP" altLang="en-US" dirty="0" smtClean="0"/>
+          <a:bodyPr>
+            <a:normAutofit/>
+          </a:bodyPr>
+          <a:lstStyle/>
+          <a:p>
+            <a:r>
+              <a:rPr kumimoji="1" lang="ja-JP" altLang="en-US" sz="3200" dirty="0" smtClean="0"/>
               <a:t>削除</a:t>
             </a:r>
             <a:r>
-              <a:rPr kumimoji="1" lang="en-US" altLang="ja-JP" dirty="0" smtClean="0"/>
+              <a:rPr kumimoji="1" lang="en-US" altLang="ja-JP" sz="3200" dirty="0" smtClean="0"/>
               <a:t>1</a:t>
             </a:r>
-            <a:endParaRPr kumimoji="1" lang="ja-JP" altLang="en-US" dirty="0"/>
+            <a:endParaRPr kumimoji="1" lang="ja-JP" altLang="en-US" sz="3200" dirty="0"/>
           </a:p>
         </p:txBody>
       </p:sp>
@@ -6386,6 +6406,13 @@
   <p:clrMapOvr>
     <a:masterClrMapping/>
   </p:clrMapOvr>
+  <p:timing>
+    <p:tnLst>
+      <p:par>
+        <p:cTn id="1" dur="indefinite" restart="never" nodeType="tmRoot"/>
+      </p:par>
+    </p:tnLst>
+  </p:timing>
 </p:sld>
 </file>
 
@@ -6418,18 +6445,20 @@
         </p:nvSpPr>
         <p:spPr/>
         <p:txBody>
-          <a:bodyPr/>
-          <a:lstStyle/>
-          <a:p>
-            <a:r>
-              <a:rPr kumimoji="1" lang="ja-JP" altLang="en-US" dirty="0" smtClean="0"/>
+          <a:bodyPr>
+            <a:normAutofit/>
+          </a:bodyPr>
+          <a:lstStyle/>
+          <a:p>
+            <a:r>
+              <a:rPr kumimoji="1" lang="ja-JP" altLang="en-US" sz="3200" dirty="0" smtClean="0"/>
               <a:t>削除</a:t>
             </a:r>
             <a:r>
-              <a:rPr kumimoji="1" lang="en-US" altLang="ja-JP" dirty="0" smtClean="0"/>
+              <a:rPr kumimoji="1" lang="en-US" altLang="ja-JP" sz="3200" dirty="0" smtClean="0"/>
               <a:t>2</a:t>
             </a:r>
-            <a:endParaRPr kumimoji="1" lang="ja-JP" altLang="en-US" dirty="0"/>
+            <a:endParaRPr kumimoji="1" lang="ja-JP" altLang="en-US" sz="3200" dirty="0"/>
           </a:p>
         </p:txBody>
       </p:sp>
@@ -6453,6 +6482,10 @@
           <a:bodyPr/>
           <a:lstStyle/>
           <a:p>
+            <a:pPr>
+              <a:buFont typeface="+mj-lt"/>
+              <a:buAutoNum type="arabicPeriod"/>
+            </a:pPr>
             <a:r>
               <a:rPr lang="ja-JP" altLang="en-US" dirty="0" smtClean="0"/>
               <a:t>メッセージボックスで確認をしたら、顧客一覧のシートを確認する。</a:t>
@@ -6617,6 +6650,13 @@
   <p:clrMapOvr>
     <a:masterClrMapping/>
   </p:clrMapOvr>
+  <p:timing>
+    <p:tnLst>
+      <p:par>
+        <p:cTn id="1" dur="indefinite" restart="never" nodeType="tmRoot"/>
+      </p:par>
+    </p:tnLst>
+  </p:timing>
 </p:sld>
 </file>
 
@@ -6848,6 +6888,13 @@
   <p:clrMapOvr>
     <a:masterClrMapping/>
   </p:clrMapOvr>
+  <p:timing>
+    <p:tnLst>
+      <p:par>
+        <p:cTn id="1" dur="indefinite" restart="never" nodeType="tmRoot"/>
+      </p:par>
+    </p:tnLst>
+  </p:timing>
 </p:sld>
 </file>
 
@@ -6880,14 +6927,16 @@
         </p:nvSpPr>
         <p:spPr/>
         <p:txBody>
-          <a:bodyPr/>
-          <a:lstStyle/>
-          <a:p>
-            <a:r>
-              <a:rPr kumimoji="1" lang="ja-JP" altLang="en-US" dirty="0" smtClean="0"/>
+          <a:bodyPr>
+            <a:normAutofit/>
+          </a:bodyPr>
+          <a:lstStyle/>
+          <a:p>
+            <a:r>
+              <a:rPr kumimoji="1" lang="ja-JP" altLang="en-US" sz="3200" dirty="0" smtClean="0"/>
               <a:t>新規追加２</a:t>
             </a:r>
-            <a:endParaRPr kumimoji="1" lang="ja-JP" altLang="en-US" dirty="0"/>
+            <a:endParaRPr kumimoji="1" lang="ja-JP" altLang="en-US" sz="3200" dirty="0"/>
           </a:p>
         </p:txBody>
       </p:sp>
@@ -6943,6 +6992,14 @@
           <a:lstStyle/>
           <a:p>
             <a:r>
+              <a:rPr kumimoji="1" lang="en-US" altLang="ja-JP" sz="1600" dirty="0" smtClean="0">
+                <a:solidFill>
+                  <a:schemeClr val="accent1"/>
+                </a:solidFill>
+              </a:rPr>
+              <a:t>1.  </a:t>
+            </a:r>
+            <a:r>
               <a:rPr kumimoji="1" lang="ja-JP" altLang="en-US" dirty="0" smtClean="0"/>
               <a:t>顧客</a:t>
             </a:r>
@@ -6958,7 +7015,15 @@
           </a:p>
           <a:p>
             <a:r>
-              <a:rPr lang="ja-JP" altLang="en-US" dirty="0"/>
+              <a:rPr lang="en-US" altLang="ja-JP" sz="1600" dirty="0" smtClean="0">
+                <a:solidFill>
+                  <a:schemeClr val="accent1"/>
+                </a:solidFill>
+              </a:rPr>
+              <a:t>2.  </a:t>
+            </a:r>
+            <a:r>
+              <a:rPr lang="ja-JP" altLang="en-US" dirty="0" smtClean="0"/>
               <a:t>記入</a:t>
             </a:r>
             <a:r>
@@ -7049,6 +7114,13 @@
   <p:clrMapOvr>
     <a:masterClrMapping/>
   </p:clrMapOvr>
+  <p:timing>
+    <p:tnLst>
+      <p:par>
+        <p:cTn id="1" dur="indefinite" restart="never" nodeType="tmRoot"/>
+      </p:par>
+    </p:tnLst>
+  </p:timing>
 </p:sld>
 </file>
 
@@ -7085,12 +7157,16 @@
           <a:lstStyle/>
           <a:p>
             <a:r>
-              <a:rPr kumimoji="1" lang="ja-JP" altLang="en-US" dirty="0" smtClean="0"/>
+              <a:rPr kumimoji="1" lang="ja-JP" altLang="en-US" sz="3200" dirty="0" smtClean="0"/>
               <a:t>新規追加</a:t>
             </a:r>
             <a:r>
+              <a:rPr lang="en-US" altLang="ja-JP" sz="3200" dirty="0" smtClean="0"/>
+              <a:t>3</a:t>
+            </a:r>
+            <a:r>
               <a:rPr lang="en-US" altLang="ja-JP" dirty="0" smtClean="0"/>
-              <a:t>3	</a:t>
+              <a:t>	</a:t>
             </a:r>
             <a:endParaRPr kumimoji="1" lang="ja-JP" altLang="en-US" dirty="0"/>
           </a:p>
@@ -7212,6 +7288,13 @@
   <p:clrMapOvr>
     <a:masterClrMapping/>
   </p:clrMapOvr>
+  <p:timing>
+    <p:tnLst>
+      <p:par>
+        <p:cTn id="1" dur="indefinite" restart="never" nodeType="tmRoot"/>
+      </p:par>
+    </p:tnLst>
+  </p:timing>
 </p:sld>
 </file>
 
@@ -7244,14 +7327,16 @@
         </p:nvSpPr>
         <p:spPr/>
         <p:txBody>
-          <a:bodyPr/>
-          <a:lstStyle/>
-          <a:p>
-            <a:r>
-              <a:rPr kumimoji="1" lang="ja-JP" altLang="en-US" dirty="0" smtClean="0"/>
+          <a:bodyPr>
+            <a:normAutofit/>
+          </a:bodyPr>
+          <a:lstStyle/>
+          <a:p>
+            <a:r>
+              <a:rPr kumimoji="1" lang="ja-JP" altLang="en-US" sz="3200" dirty="0" smtClean="0"/>
               <a:t>検索１</a:t>
             </a:r>
-            <a:endParaRPr kumimoji="1" lang="ja-JP" altLang="en-US" dirty="0"/>
+            <a:endParaRPr kumimoji="1" lang="ja-JP" altLang="en-US" sz="3200" dirty="0"/>
           </a:p>
         </p:txBody>
       </p:sp>
@@ -7333,7 +7418,7 @@
         <p:spPr>
           <a:xfrm>
             <a:off x="838200" y="5534636"/>
-            <a:ext cx="7109639" cy="369332"/>
+            <a:ext cx="7571303" cy="646331"/>
           </a:xfrm>
           <a:prstGeom prst="rect">
             <a:avLst/>
@@ -7359,9 +7444,32 @@
             </a:r>
             <a:r>
               <a:rPr lang="ja-JP" altLang="en-US" dirty="0"/>
-              <a:t>が開く</a:t>
-            </a:r>
-            <a:endParaRPr lang="en-US" altLang="ja-JP" dirty="0"/>
+              <a:t>が</a:t>
+            </a:r>
+            <a:r>
+              <a:rPr lang="ja-JP" altLang="en-US" dirty="0" smtClean="0"/>
+              <a:t>開く</a:t>
+            </a:r>
+            <a:endParaRPr lang="en-US" altLang="ja-JP" dirty="0" smtClean="0"/>
+          </a:p>
+          <a:p>
+            <a:r>
+              <a:rPr lang="ja-JP" altLang="en-US" dirty="0"/>
+              <a:t>　</a:t>
+            </a:r>
+            <a:r>
+              <a:rPr lang="ja-JP" altLang="en-US" dirty="0" smtClean="0">
+                <a:solidFill>
+                  <a:srgbClr val="FF0000"/>
+                </a:solidFill>
+              </a:rPr>
+              <a:t>検索・削除・更新ボタンは削除と編集と検索を同じボタンでやります</a:t>
+            </a:r>
+            <a:endParaRPr lang="en-US" altLang="ja-JP" dirty="0">
+              <a:solidFill>
+                <a:srgbClr val="FF0000"/>
+              </a:solidFill>
+            </a:endParaRPr>
           </a:p>
         </p:txBody>
       </p:sp>
@@ -7375,6 +7483,13 @@
   <p:clrMapOvr>
     <a:masterClrMapping/>
   </p:clrMapOvr>
+  <p:timing>
+    <p:tnLst>
+      <p:par>
+        <p:cTn id="1" dur="indefinite" restart="never" nodeType="tmRoot"/>
+      </p:par>
+    </p:tnLst>
+  </p:timing>
 </p:sld>
 </file>
 
@@ -7407,14 +7522,16 @@
         </p:nvSpPr>
         <p:spPr/>
         <p:txBody>
-          <a:bodyPr/>
-          <a:lstStyle/>
-          <a:p>
-            <a:r>
-              <a:rPr lang="ja-JP" altLang="en-US" dirty="0" smtClean="0"/>
+          <a:bodyPr>
+            <a:normAutofit/>
+          </a:bodyPr>
+          <a:lstStyle/>
+          <a:p>
+            <a:r>
+              <a:rPr lang="ja-JP" altLang="en-US" sz="3200" dirty="0" smtClean="0"/>
               <a:t>検索２</a:t>
             </a:r>
-            <a:endParaRPr kumimoji="1" lang="ja-JP" altLang="en-US" dirty="0"/>
+            <a:endParaRPr kumimoji="1" lang="ja-JP" altLang="en-US" sz="3200" dirty="0"/>
           </a:p>
         </p:txBody>
       </p:sp>
@@ -7565,8 +7682,8 @@
         </p:nvSpPr>
         <p:spPr>
           <a:xfrm>
-            <a:off x="196613" y="4791808"/>
-            <a:ext cx="5575880" cy="369332"/>
+            <a:off x="677334" y="4624087"/>
+            <a:ext cx="9826618" cy="1200329"/>
           </a:xfrm>
           <a:prstGeom prst="rect">
             <a:avLst/>
@@ -7580,51 +7697,98 @@
           <a:lstStyle/>
           <a:p>
             <a:r>
-              <a:rPr kumimoji="1" lang="ja-JP" altLang="en-US" dirty="0" smtClean="0"/>
-              <a:t>最初は、検索ボタンを押す。</a:t>
-            </a:r>
-            <a:endParaRPr kumimoji="1" lang="ja-JP" altLang="en-US" dirty="0"/>
-          </a:p>
-        </p:txBody>
-      </p:sp>
-      <p:sp>
-        <p:nvSpPr>
-          <p:cNvPr id="9" name="テキスト ボックス 8"/>
-          <p:cNvSpPr txBox="1"/>
-          <p:nvPr/>
-        </p:nvSpPr>
-        <p:spPr>
-          <a:xfrm>
-            <a:off x="6330462" y="4624754"/>
-            <a:ext cx="5749023" cy="646331"/>
-          </a:xfrm>
-          <a:prstGeom prst="rect">
-            <a:avLst/>
-          </a:prstGeom>
-          <a:noFill/>
-        </p:spPr>
-        <p:txBody>
-          <a:bodyPr wrap="square" rtlCol="0">
-            <a:spAutoFit/>
-          </a:bodyPr>
-          <a:lstStyle/>
-          <a:p>
-            <a:r>
-              <a:rPr kumimoji="1" lang="ja-JP" altLang="en-US" dirty="0" smtClean="0"/>
+              <a:rPr lang="en-US" altLang="ja-JP" sz="1600" dirty="0" smtClean="0">
+                <a:solidFill>
+                  <a:schemeClr val="accent1"/>
+                </a:solidFill>
+              </a:rPr>
+              <a:t>1.      </a:t>
+            </a:r>
+            <a:r>
+              <a:rPr lang="ja-JP" altLang="en-US" dirty="0" smtClean="0">
+                <a:solidFill>
+                  <a:schemeClr val="tx2"/>
+                </a:solidFill>
+              </a:rPr>
+              <a:t>検索ボタンを押します</a:t>
+            </a:r>
+            <a:endParaRPr lang="en-US" altLang="ja-JP" dirty="0" smtClean="0">
+              <a:solidFill>
+                <a:schemeClr val="tx2"/>
+              </a:solidFill>
+            </a:endParaRPr>
+          </a:p>
+          <a:p>
+            <a:r>
+              <a:rPr lang="en-US" altLang="ja-JP" sz="1600" dirty="0" smtClean="0">
+                <a:solidFill>
+                  <a:schemeClr val="accent1"/>
+                </a:solidFill>
+              </a:rPr>
+              <a:t>2.      </a:t>
+            </a:r>
+            <a:r>
+              <a:rPr lang="ja-JP" altLang="en-US" dirty="0" smtClean="0">
+                <a:solidFill>
+                  <a:schemeClr val="tx2"/>
+                </a:solidFill>
+              </a:rPr>
               <a:t>コンボボックスの顧客名、顧客</a:t>
             </a:r>
             <a:r>
-              <a:rPr kumimoji="1" lang="en-US" altLang="ja-JP" dirty="0" smtClean="0"/>
-              <a:t>No</a:t>
-            </a:r>
-            <a:r>
-              <a:rPr lang="ja-JP" altLang="en-US" dirty="0" err="1"/>
+              <a:rPr lang="en-US" altLang="ja-JP" dirty="0" smtClean="0">
+                <a:solidFill>
+                  <a:schemeClr val="tx2"/>
+                </a:solidFill>
+              </a:rPr>
+              <a:t>No.</a:t>
+            </a:r>
+            <a:r>
+              <a:rPr lang="ja-JP" altLang="en-US" dirty="0" err="1" smtClean="0">
+                <a:solidFill>
+                  <a:schemeClr val="tx2"/>
+                </a:solidFill>
+              </a:rPr>
               <a:t>、</a:t>
             </a:r>
             <a:r>
-              <a:rPr kumimoji="1" lang="ja-JP" altLang="en-US" dirty="0" smtClean="0"/>
-              <a:t>会社名、住所をどれかの一つを選択をすると顧客名や会社名がでます</a:t>
-            </a:r>
+              <a:rPr lang="ja-JP" altLang="en-US" dirty="0" smtClean="0">
+                <a:solidFill>
+                  <a:schemeClr val="tx2"/>
+                </a:solidFill>
+              </a:rPr>
+              <a:t>会社名、住所のどれか一つを選択をする。</a:t>
+            </a:r>
+            <a:endParaRPr lang="en-US" altLang="ja-JP" dirty="0" smtClean="0">
+              <a:solidFill>
+                <a:schemeClr val="tx2"/>
+              </a:solidFill>
+            </a:endParaRPr>
+          </a:p>
+          <a:p>
+            <a:r>
+              <a:rPr lang="en-US" altLang="ja-JP" sz="1600" dirty="0" smtClean="0">
+                <a:solidFill>
+                  <a:schemeClr val="accent1"/>
+                </a:solidFill>
+              </a:rPr>
+              <a:t>3.      </a:t>
+            </a:r>
+            <a:r>
+              <a:rPr lang="ja-JP" altLang="en-US" dirty="0" smtClean="0">
+                <a:solidFill>
+                  <a:schemeClr val="tx2"/>
+                </a:solidFill>
+              </a:rPr>
+              <a:t>選択に応じて顧客名や会社名のデータがでる。</a:t>
+            </a:r>
+            <a:endParaRPr lang="en-US" altLang="ja-JP" dirty="0" smtClean="0">
+              <a:solidFill>
+                <a:schemeClr val="tx2"/>
+              </a:solidFill>
+            </a:endParaRPr>
+          </a:p>
+          <a:p>
             <a:endParaRPr kumimoji="1" lang="ja-JP" altLang="en-US" dirty="0"/>
           </a:p>
         </p:txBody>
@@ -7639,6 +7803,13 @@
   <p:clrMapOvr>
     <a:masterClrMapping/>
   </p:clrMapOvr>
+  <p:timing>
+    <p:tnLst>
+      <p:par>
+        <p:cTn id="1" dur="indefinite" restart="never" nodeType="tmRoot"/>
+      </p:par>
+    </p:tnLst>
+  </p:timing>
 </p:sld>
 </file>
 
@@ -7671,14 +7842,16 @@
         </p:nvSpPr>
         <p:spPr/>
         <p:txBody>
-          <a:bodyPr/>
-          <a:lstStyle/>
-          <a:p>
-            <a:r>
-              <a:rPr kumimoji="1" lang="ja-JP" altLang="en-US" dirty="0" smtClean="0"/>
+          <a:bodyPr>
+            <a:normAutofit/>
+          </a:bodyPr>
+          <a:lstStyle/>
+          <a:p>
+            <a:r>
+              <a:rPr kumimoji="1" lang="ja-JP" altLang="en-US" sz="3200" dirty="0" smtClean="0"/>
               <a:t>検索３</a:t>
             </a:r>
-            <a:endParaRPr kumimoji="1" lang="ja-JP" altLang="en-US" dirty="0"/>
+            <a:endParaRPr kumimoji="1" lang="ja-JP" altLang="en-US" sz="3200" dirty="0"/>
           </a:p>
         </p:txBody>
       </p:sp>
@@ -7838,6 +8011,13 @@
   <p:clrMapOvr>
     <a:masterClrMapping/>
   </p:clrMapOvr>
+  <p:timing>
+    <p:tnLst>
+      <p:par>
+        <p:cTn id="1" dur="indefinite" restart="never" nodeType="tmRoot"/>
+      </p:par>
+    </p:tnLst>
+  </p:timing>
 </p:sld>
 </file>
 
@@ -7875,14 +8055,16 @@
           </a:xfrm>
         </p:spPr>
         <p:txBody>
-          <a:bodyPr/>
-          <a:lstStyle/>
-          <a:p>
-            <a:r>
-              <a:rPr kumimoji="1" lang="ja-JP" altLang="en-US" dirty="0" smtClean="0"/>
+          <a:bodyPr>
+            <a:normAutofit/>
+          </a:bodyPr>
+          <a:lstStyle/>
+          <a:p>
+            <a:r>
+              <a:rPr kumimoji="1" lang="ja-JP" altLang="en-US" sz="3200" dirty="0" smtClean="0"/>
               <a:t>編集</a:t>
             </a:r>
-            <a:endParaRPr kumimoji="1" lang="ja-JP" altLang="en-US" dirty="0"/>
+            <a:endParaRPr kumimoji="1" lang="ja-JP" altLang="en-US" sz="3200" dirty="0"/>
           </a:p>
         </p:txBody>
       </p:sp>
@@ -8039,6 +8221,13 @@
   <p:clrMapOvr>
     <a:masterClrMapping/>
   </p:clrMapOvr>
+  <p:timing>
+    <p:tnLst>
+      <p:par>
+        <p:cTn id="1" dur="indefinite" restart="never" nodeType="tmRoot"/>
+      </p:par>
+    </p:tnLst>
+  </p:timing>
 </p:sld>
 </file>
 
@@ -8080,11 +8269,11 @@
           <a:lstStyle/>
           <a:p>
             <a:r>
-              <a:rPr kumimoji="1" lang="ja-JP" altLang="en-US" dirty="0" smtClean="0"/>
+              <a:rPr kumimoji="1" lang="ja-JP" altLang="en-US" sz="3200" dirty="0" smtClean="0"/>
               <a:t>編集</a:t>
             </a:r>
             <a:r>
-              <a:rPr lang="ja-JP" altLang="en-US" dirty="0" smtClean="0"/>
+              <a:rPr lang="ja-JP" altLang="en-US" sz="3200" dirty="0" smtClean="0"/>
               <a:t>２</a:t>
             </a:r>
             <a:r>
@@ -8115,6 +8304,10 @@
           <a:bodyPr/>
           <a:lstStyle/>
           <a:p>
+            <a:pPr>
+              <a:buFont typeface="+mj-lt"/>
+              <a:buAutoNum type="arabicPeriod"/>
+            </a:pPr>
             <a:r>
               <a:rPr kumimoji="1" lang="ja-JP" altLang="en-US" dirty="0" smtClean="0"/>
               <a:t>編集を完了されたら、確認をしよう</a:t>
@@ -8233,6 +8426,13 @@
   <p:clrMapOvr>
     <a:masterClrMapping/>
   </p:clrMapOvr>
+  <p:timing>
+    <p:tnLst>
+      <p:par>
+        <p:cTn id="1" dur="indefinite" restart="never" nodeType="tmRoot"/>
+      </p:par>
+    </p:tnLst>
+  </p:timing>
 </p:sld>
 </file>
 

--- a/顧客管理マニュアル.pptx
+++ b/顧客管理マニュアル.pptx
@@ -6940,35 +6940,6 @@
           </a:p>
         </p:txBody>
       </p:sp>
-      <p:pic>
-        <p:nvPicPr>
-          <p:cNvPr id="4" name="コンテンツ プレースホルダー 3"/>
-          <p:cNvPicPr>
-            <a:picLocks noGrp="1" noChangeAspect="1"/>
-          </p:cNvPicPr>
-          <p:nvPr>
-            <p:ph idx="1"/>
-          </p:nvPr>
-        </p:nvPicPr>
-        <p:blipFill>
-          <a:blip r:embed="rId2" cstate="print">
-            <a:extLst>
-              <a:ext uri="{28A0092B-C50C-407E-A947-70E740481C1C}">
-                <a14:useLocalDpi xmlns:a14="http://schemas.microsoft.com/office/drawing/2010/main" val="0"/>
-              </a:ext>
-            </a:extLst>
-          </a:blip>
-          <a:stretch>
-            <a:fillRect/>
-          </a:stretch>
-        </p:blipFill>
-        <p:spPr>
-          <a:xfrm>
-            <a:off x="838200" y="1690688"/>
-            <a:ext cx="4573139" cy="2664000"/>
-          </a:xfrm>
-        </p:spPr>
-      </p:pic>
       <p:sp>
         <p:nvSpPr>
           <p:cNvPr id="5" name="テキスト ボックス 4"/>
@@ -7024,46 +6995,12 @@
             </a:r>
             <a:r>
               <a:rPr lang="ja-JP" altLang="en-US" dirty="0" smtClean="0"/>
-              <a:t>記入</a:t>
-            </a:r>
-            <a:r>
-              <a:rPr lang="ja-JP" altLang="en-US" dirty="0" smtClean="0"/>
-              <a:t>したら顧客一覧のシートにデータが送れます</a:t>
+              <a:t>記入したら顧客一覧のシートにデータが送れます</a:t>
             </a:r>
             <a:endParaRPr kumimoji="1" lang="en-US" altLang="ja-JP" dirty="0" smtClean="0"/>
           </a:p>
         </p:txBody>
       </p:sp>
-      <p:pic>
-        <p:nvPicPr>
-          <p:cNvPr id="6" name="図 5"/>
-          <p:cNvPicPr>
-            <a:picLocks noChangeAspect="1"/>
-          </p:cNvPicPr>
-          <p:nvPr/>
-        </p:nvPicPr>
-        <p:blipFill>
-          <a:blip r:embed="rId3" cstate="print">
-            <a:extLst>
-              <a:ext uri="{28A0092B-C50C-407E-A947-70E740481C1C}">
-                <a14:useLocalDpi xmlns:a14="http://schemas.microsoft.com/office/drawing/2010/main" val="0"/>
-              </a:ext>
-            </a:extLst>
-          </a:blip>
-          <a:stretch>
-            <a:fillRect/>
-          </a:stretch>
-        </p:blipFill>
-        <p:spPr>
-          <a:xfrm>
-            <a:off x="6722046" y="1794240"/>
-            <a:ext cx="4550078" cy="2662850"/>
-          </a:xfrm>
-          <a:prstGeom prst="rect">
-            <a:avLst/>
-          </a:prstGeom>
-        </p:spPr>
-      </p:pic>
       <p:sp>
         <p:nvSpPr>
           <p:cNvPr id="7" name="右矢印 6"/>
@@ -7104,6 +7041,66 @@
           </a:p>
         </p:txBody>
       </p:sp>
+      <p:pic>
+        <p:nvPicPr>
+          <p:cNvPr id="3" name="図 2"/>
+          <p:cNvPicPr>
+            <a:picLocks noChangeAspect="1"/>
+          </p:cNvPicPr>
+          <p:nvPr/>
+        </p:nvPicPr>
+        <p:blipFill>
+          <a:blip r:embed="rId2" cstate="print">
+            <a:extLst>
+              <a:ext uri="{28A0092B-C50C-407E-A947-70E740481C1C}">
+                <a14:useLocalDpi xmlns:a14="http://schemas.microsoft.com/office/drawing/2010/main" val="0"/>
+              </a:ext>
+            </a:extLst>
+          </a:blip>
+          <a:stretch>
+            <a:fillRect/>
+          </a:stretch>
+        </p:blipFill>
+        <p:spPr>
+          <a:xfrm>
+            <a:off x="990696" y="1648627"/>
+            <a:ext cx="4325531" cy="2664000"/>
+          </a:xfrm>
+          <a:prstGeom prst="rect">
+            <a:avLst/>
+          </a:prstGeom>
+        </p:spPr>
+      </p:pic>
+      <p:pic>
+        <p:nvPicPr>
+          <p:cNvPr id="9" name="図 8"/>
+          <p:cNvPicPr>
+            <a:picLocks noChangeAspect="1"/>
+          </p:cNvPicPr>
+          <p:nvPr/>
+        </p:nvPicPr>
+        <p:blipFill>
+          <a:blip r:embed="rId3" cstate="print">
+            <a:extLst>
+              <a:ext uri="{28A0092B-C50C-407E-A947-70E740481C1C}">
+                <a14:useLocalDpi xmlns:a14="http://schemas.microsoft.com/office/drawing/2010/main" val="0"/>
+              </a:ext>
+            </a:extLst>
+          </a:blip>
+          <a:stretch>
+            <a:fillRect/>
+          </a:stretch>
+        </p:blipFill>
+        <p:spPr>
+          <a:xfrm>
+            <a:off x="6702490" y="1757425"/>
+            <a:ext cx="4550400" cy="2711265"/>
+          </a:xfrm>
+          <a:prstGeom prst="rect">
+            <a:avLst/>
+          </a:prstGeom>
+        </p:spPr>
+      </p:pic>
     </p:spTree>
     <p:extLst>
       <p:ext uri="{BB962C8B-B14F-4D97-AF65-F5344CB8AC3E}">
@@ -7174,13 +7171,11 @@
       </p:sp>
       <p:pic>
         <p:nvPicPr>
-          <p:cNvPr id="4" name="コンテンツ プレースホルダー 3"/>
+          <p:cNvPr id="3" name="図 2"/>
           <p:cNvPicPr>
-            <a:picLocks noGrp="1" noChangeAspect="1"/>
+            <a:picLocks noChangeAspect="1"/>
           </p:cNvPicPr>
-          <p:nvPr>
-            <p:ph idx="1"/>
-          </p:nvPr>
+          <p:nvPr/>
         </p:nvPicPr>
         <p:blipFill>
           <a:blip r:embed="rId2" cstate="print">
@@ -7196,23 +7191,109 @@
         </p:blipFill>
         <p:spPr>
           <a:xfrm>
-            <a:off x="1040423" y="1452643"/>
-            <a:ext cx="7338646" cy="2759636"/>
+            <a:off x="5807318" y="1585551"/>
+            <a:ext cx="6154727" cy="2510692"/>
           </a:xfrm>
+          <a:prstGeom prst="rect">
+            <a:avLst/>
+          </a:prstGeom>
         </p:spPr>
       </p:pic>
       <p:sp>
         <p:nvSpPr>
-          <p:cNvPr id="5" name="左矢印 4"/>
+          <p:cNvPr id="9" name="テキスト ボックス 8"/>
+          <p:cNvSpPr txBox="1"/>
+          <p:nvPr/>
+        </p:nvSpPr>
+        <p:spPr>
+          <a:xfrm>
+            <a:off x="677333" y="4456475"/>
+            <a:ext cx="9284351" cy="646331"/>
+          </a:xfrm>
+          <a:prstGeom prst="rect">
+            <a:avLst/>
+          </a:prstGeom>
+          <a:noFill/>
+        </p:spPr>
+        <p:txBody>
+          <a:bodyPr wrap="square" rtlCol="0">
+            <a:spAutoFit/>
+          </a:bodyPr>
+          <a:lstStyle/>
+          <a:p>
+            <a:r>
+              <a:rPr lang="en-US" altLang="ja-JP" dirty="0" smtClean="0">
+                <a:solidFill>
+                  <a:schemeClr val="accent1"/>
+                </a:solidFill>
+              </a:rPr>
+              <a:t>1.   </a:t>
+            </a:r>
+            <a:r>
+              <a:rPr lang="ja-JP" altLang="en-US" dirty="0" smtClean="0"/>
+              <a:t>メッセージボックスがでるなら、追加されています</a:t>
+            </a:r>
+            <a:endParaRPr lang="en-US" altLang="ja-JP" dirty="0" smtClean="0"/>
+          </a:p>
+          <a:p>
+            <a:r>
+              <a:rPr kumimoji="1" lang="en-US" altLang="ja-JP" dirty="0" smtClean="0">
+                <a:solidFill>
+                  <a:schemeClr val="accent1"/>
+                </a:solidFill>
+              </a:rPr>
+              <a:t>2.   </a:t>
+            </a:r>
+            <a:r>
+              <a:rPr kumimoji="1" lang="ja-JP" altLang="en-US" dirty="0" smtClean="0"/>
+              <a:t>確認をしたら、顧客一覧シートで確認する</a:t>
+            </a:r>
+            <a:endParaRPr kumimoji="1" lang="ja-JP" altLang="en-US" dirty="0"/>
+          </a:p>
+        </p:txBody>
+      </p:sp>
+      <p:pic>
+        <p:nvPicPr>
+          <p:cNvPr id="10" name="図 9"/>
+          <p:cNvPicPr>
+            <a:picLocks noChangeAspect="1"/>
+          </p:cNvPicPr>
+          <p:nvPr/>
+        </p:nvPicPr>
+        <p:blipFill>
+          <a:blip r:embed="rId3" cstate="print">
+            <a:extLst>
+              <a:ext uri="{28A0092B-C50C-407E-A947-70E740481C1C}">
+                <a14:useLocalDpi xmlns:a14="http://schemas.microsoft.com/office/drawing/2010/main" val="0"/>
+              </a:ext>
+            </a:extLst>
+          </a:blip>
+          <a:stretch>
+            <a:fillRect/>
+          </a:stretch>
+        </p:blipFill>
+        <p:spPr>
+          <a:xfrm>
+            <a:off x="648468" y="1568440"/>
+            <a:ext cx="4327200" cy="2527803"/>
+          </a:xfrm>
+          <a:prstGeom prst="rect">
+            <a:avLst/>
+          </a:prstGeom>
+        </p:spPr>
+      </p:pic>
+      <p:sp>
+        <p:nvSpPr>
+          <p:cNvPr id="11" name="右矢印 10"/>
           <p:cNvSpPr/>
           <p:nvPr/>
         </p:nvSpPr>
         <p:spPr>
           <a:xfrm>
-            <a:off x="2672862" y="1734486"/>
-            <a:ext cx="597877" cy="773723"/>
+            <a:off x="5064369" y="2840897"/>
+            <a:ext cx="742949" cy="412257"/>
           </a:xfrm>
-          <a:prstGeom prst="leftArrow">
+          <a:prstGeom prst="rightArrow">
             <a:avLst/>
           </a:prstGeom>
         </p:spPr>
@@ -7238,43 +7319,6 @@
           <a:p>
             <a:pPr algn="ctr"/>
             <a:endParaRPr kumimoji="1" lang="ja-JP" altLang="en-US"/>
-          </a:p>
-        </p:txBody>
-      </p:sp>
-      <p:sp>
-        <p:nvSpPr>
-          <p:cNvPr id="6" name="テキスト ボックス 5"/>
-          <p:cNvSpPr txBox="1"/>
-          <p:nvPr/>
-        </p:nvSpPr>
-        <p:spPr>
-          <a:xfrm>
-            <a:off x="615462" y="4519246"/>
-            <a:ext cx="10738338" cy="646331"/>
-          </a:xfrm>
-          <a:prstGeom prst="rect">
-            <a:avLst/>
-          </a:prstGeom>
-          <a:noFill/>
-        </p:spPr>
-        <p:txBody>
-          <a:bodyPr wrap="square" rtlCol="0">
-            <a:spAutoFit/>
-          </a:bodyPr>
-          <a:lstStyle/>
-          <a:p>
-            <a:r>
-              <a:rPr lang="ja-JP" altLang="en-US" dirty="0"/>
-              <a:t>新規</a:t>
-            </a:r>
-            <a:r>
-              <a:rPr lang="ja-JP" altLang="en-US" dirty="0" smtClean="0"/>
-              <a:t>追加２で送れたデータの結果</a:t>
-            </a:r>
-            <a:endParaRPr lang="en-US" altLang="ja-JP" dirty="0" smtClean="0"/>
-          </a:p>
-          <a:p>
-            <a:endParaRPr kumimoji="1" lang="ja-JP" altLang="en-US" dirty="0"/>
           </a:p>
         </p:txBody>
       </p:sp>
@@ -7340,15 +7384,77 @@
           </a:p>
         </p:txBody>
       </p:sp>
+      <p:sp>
+        <p:nvSpPr>
+          <p:cNvPr id="9" name="正方形/長方形 8"/>
+          <p:cNvSpPr/>
+          <p:nvPr/>
+        </p:nvSpPr>
+        <p:spPr>
+          <a:xfrm>
+            <a:off x="838200" y="5534636"/>
+            <a:ext cx="7571303" cy="646331"/>
+          </a:xfrm>
+          <a:prstGeom prst="rect">
+            <a:avLst/>
+          </a:prstGeom>
+        </p:spPr>
+        <p:txBody>
+          <a:bodyPr wrap="none">
+            <a:spAutoFit/>
+          </a:bodyPr>
+          <a:lstStyle/>
+          <a:p>
+            <a:r>
+              <a:rPr lang="ja-JP" altLang="en-US" dirty="0" smtClean="0"/>
+              <a:t>検索・削除・更新ボタンを</a:t>
+            </a:r>
+            <a:r>
+              <a:rPr lang="ja-JP" altLang="en-US" dirty="0"/>
+              <a:t>押すと</a:t>
+            </a:r>
+            <a:r>
+              <a:rPr lang="ja-JP" altLang="en-US" dirty="0" smtClean="0"/>
+              <a:t>、検索・更新・削除の画面</a:t>
+            </a:r>
+            <a:r>
+              <a:rPr lang="ja-JP" altLang="en-US" dirty="0"/>
+              <a:t>が</a:t>
+            </a:r>
+            <a:r>
+              <a:rPr lang="ja-JP" altLang="en-US" dirty="0" smtClean="0"/>
+              <a:t>開く</a:t>
+            </a:r>
+            <a:endParaRPr lang="en-US" altLang="ja-JP" dirty="0" smtClean="0"/>
+          </a:p>
+          <a:p>
+            <a:r>
+              <a:rPr lang="ja-JP" altLang="en-US" dirty="0"/>
+              <a:t>　</a:t>
+            </a:r>
+            <a:r>
+              <a:rPr lang="ja-JP" altLang="en-US" dirty="0" smtClean="0">
+                <a:solidFill>
+                  <a:srgbClr val="FF0000"/>
+                </a:solidFill>
+              </a:rPr>
+              <a:t>検索・削除・更新ボタンは削除と編集と検索を同じボタンでやります</a:t>
+            </a:r>
+            <a:endParaRPr lang="en-US" altLang="ja-JP" dirty="0">
+              <a:solidFill>
+                <a:srgbClr val="FF0000"/>
+              </a:solidFill>
+            </a:endParaRPr>
+          </a:p>
+        </p:txBody>
+      </p:sp>
       <p:pic>
         <p:nvPicPr>
-          <p:cNvPr id="6" name="コンテンツ プレースホルダー 3"/>
+          <p:cNvPr id="3" name="図 2"/>
           <p:cNvPicPr>
-            <a:picLocks noGrp="1" noChangeAspect="1"/>
+            <a:picLocks noChangeAspect="1"/>
           </p:cNvPicPr>
-          <p:nvPr>
-            <p:ph idx="1"/>
-          </p:nvPr>
+          <p:nvPr/>
         </p:nvPicPr>
         <p:blipFill>
           <a:blip r:embed="rId2">
@@ -7364,21 +7470,24 @@
         </p:blipFill>
         <p:spPr>
           <a:xfrm>
-            <a:off x="838200" y="1551984"/>
-            <a:ext cx="9234000" cy="3754032"/>
+            <a:off x="838200" y="1270000"/>
+            <a:ext cx="9336481" cy="3808622"/>
           </a:xfrm>
+          <a:prstGeom prst="rect">
+            <a:avLst/>
+          </a:prstGeom>
         </p:spPr>
       </p:pic>
       <p:sp>
         <p:nvSpPr>
-          <p:cNvPr id="8" name="右矢印 7"/>
+          <p:cNvPr id="5" name="右矢印 4"/>
           <p:cNvSpPr/>
           <p:nvPr/>
         </p:nvSpPr>
         <p:spPr>
           <a:xfrm>
-            <a:off x="5785339" y="2782419"/>
-            <a:ext cx="800100" cy="553915"/>
+            <a:off x="6110654" y="2756573"/>
+            <a:ext cx="1090246" cy="650630"/>
           </a:xfrm>
           <a:prstGeom prst="rightArrow">
             <a:avLst/>
@@ -7406,70 +7515,6 @@
           <a:p>
             <a:pPr algn="ctr"/>
             <a:endParaRPr kumimoji="1" lang="ja-JP" altLang="en-US"/>
-          </a:p>
-        </p:txBody>
-      </p:sp>
-      <p:sp>
-        <p:nvSpPr>
-          <p:cNvPr id="9" name="正方形/長方形 8"/>
-          <p:cNvSpPr/>
-          <p:nvPr/>
-        </p:nvSpPr>
-        <p:spPr>
-          <a:xfrm>
-            <a:off x="838200" y="5534636"/>
-            <a:ext cx="7571303" cy="646331"/>
-          </a:xfrm>
-          <a:prstGeom prst="rect">
-            <a:avLst/>
-          </a:prstGeom>
-        </p:spPr>
-        <p:txBody>
-          <a:bodyPr wrap="none">
-            <a:spAutoFit/>
-          </a:bodyPr>
-          <a:lstStyle/>
-          <a:p>
-            <a:r>
-              <a:rPr lang="ja-JP" altLang="en-US" dirty="0" smtClean="0"/>
-              <a:t>検索・削除・更新ボタンを</a:t>
-            </a:r>
-            <a:r>
-              <a:rPr lang="ja-JP" altLang="en-US" dirty="0"/>
-              <a:t>押すと</a:t>
-            </a:r>
-            <a:r>
-              <a:rPr lang="ja-JP" altLang="en-US" dirty="0" smtClean="0"/>
-              <a:t>、検索・更新・削除の画面</a:t>
-            </a:r>
-            <a:r>
-              <a:rPr lang="ja-JP" altLang="en-US" dirty="0"/>
-              <a:t>が</a:t>
-            </a:r>
-            <a:r>
-              <a:rPr lang="ja-JP" altLang="en-US" dirty="0" smtClean="0"/>
-              <a:t>開く</a:t>
-            </a:r>
-            <a:endParaRPr lang="en-US" altLang="ja-JP" dirty="0" smtClean="0"/>
-          </a:p>
-          <a:p>
-            <a:r>
-              <a:rPr lang="ja-JP" altLang="en-US" dirty="0"/>
-              <a:t>　</a:t>
-            </a:r>
-            <a:r>
-              <a:rPr lang="ja-JP" altLang="en-US" dirty="0" smtClean="0">
-                <a:solidFill>
-                  <a:srgbClr val="FF0000"/>
-                </a:solidFill>
-              </a:rPr>
-              <a:t>検索・削除・更新ボタンは削除と編集と検索を同じボタンでやります</a:t>
-            </a:r>
-            <a:endParaRPr lang="en-US" altLang="ja-JP" dirty="0">
-              <a:solidFill>
-                <a:srgbClr val="FF0000"/>
-              </a:solidFill>
-            </a:endParaRPr>
           </a:p>
         </p:txBody>
       </p:sp>

--- a/顧客管理マニュアル.pptx
+++ b/顧客管理マニュアル.pptx
@@ -2,7 +2,7 @@
 <file path=ppt/presentation.xml><?xml version="1.0" encoding="utf-8"?>
 <p:presentation xmlns:a="http://schemas.openxmlformats.org/drawingml/2006/main" xmlns:r="http://schemas.openxmlformats.org/officeDocument/2006/relationships" xmlns:p="http://schemas.openxmlformats.org/presentationml/2006/main" saveSubsetFonts="1">
   <p:sldMasterIdLst>
-    <p:sldMasterId id="2147483706" r:id="rId1"/>
+    <p:sldMasterId id="2147483837" r:id="rId1"/>
   </p:sldMasterIdLst>
   <p:sldIdLst>
     <p:sldId id="256" r:id="rId2"/>
@@ -141,7 +141,7 @@
       </p:grpSpPr>
       <p:grpSp>
         <p:nvGrpSpPr>
-          <p:cNvPr id="7" name="Group 6"/>
+          <p:cNvPr id="16" name="Group 15"/>
           <p:cNvGrpSpPr/>
           <p:nvPr/>
         </p:nvGrpSpPr>
@@ -153,9 +153,72 @@
             <a:chExt cx="12192000" cy="6866467"/>
           </a:xfrm>
         </p:grpSpPr>
+        <p:sp>
+          <p:nvSpPr>
+            <p:cNvPr id="15" name="Freeform 14"/>
+            <p:cNvSpPr/>
+            <p:nvPr/>
+          </p:nvSpPr>
+          <p:spPr>
+            <a:xfrm>
+              <a:off x="0" y="-7862"/>
+              <a:ext cx="863600" cy="5698067"/>
+            </a:xfrm>
+            <a:custGeom>
+              <a:avLst/>
+              <a:gdLst/>
+              <a:ahLst/>
+              <a:cxnLst/>
+              <a:rect l="l" t="t" r="r" b="b"/>
+              <a:pathLst>
+                <a:path w="863600" h="5698067">
+                  <a:moveTo>
+                    <a:pt x="0" y="8467"/>
+                  </a:moveTo>
+                  <a:lnTo>
+                    <a:pt x="863600" y="0"/>
+                  </a:lnTo>
+                  <a:lnTo>
+                    <a:pt x="863600" y="16934"/>
+                  </a:lnTo>
+                  <a:lnTo>
+                    <a:pt x="0" y="5698067"/>
+                  </a:lnTo>
+                  <a:lnTo>
+                    <a:pt x="0" y="8467"/>
+                  </a:lnTo>
+                  <a:close/>
+                </a:path>
+              </a:pathLst>
+            </a:custGeom>
+            <a:solidFill>
+              <a:schemeClr val="accent1">
+                <a:alpha val="70000"/>
+              </a:schemeClr>
+            </a:solidFill>
+            <a:ln>
+              <a:noFill/>
+            </a:ln>
+            <a:effectLst/>
+          </p:spPr>
+          <p:style>
+            <a:lnRef idx="1">
+              <a:schemeClr val="accent1"/>
+            </a:lnRef>
+            <a:fillRef idx="3">
+              <a:schemeClr val="accent1"/>
+            </a:fillRef>
+            <a:effectRef idx="2">
+              <a:schemeClr val="accent1"/>
+            </a:effectRef>
+            <a:fontRef idx="minor">
+              <a:schemeClr val="lt1"/>
+            </a:fontRef>
+          </p:style>
+        </p:sp>
         <p:cxnSp>
           <p:nvCxnSpPr>
-            <p:cNvPr id="32" name="Straight Connector 31"/>
+            <p:cNvPr id="19" name="Straight Connector 18"/>
             <p:cNvCxnSpPr/>
             <p:nvPr/>
           </p:nvCxnSpPr>
@@ -169,8 +232,8 @@
             </a:prstGeom>
             <a:ln w="9525">
               <a:solidFill>
-                <a:schemeClr val="bg1">
-                  <a:lumMod val="75000"/>
+                <a:schemeClr val="accent1">
+                  <a:alpha val="70000"/>
                 </a:schemeClr>
               </a:solidFill>
             </a:ln>
@@ -192,7 +255,7 @@
         </p:cxnSp>
         <p:cxnSp>
           <p:nvCxnSpPr>
-            <p:cNvPr id="21" name="Straight Connector 20"/>
+            <p:cNvPr id="20" name="Straight Connector 19"/>
             <p:cNvCxnSpPr/>
             <p:nvPr/>
           </p:nvCxnSpPr>
@@ -206,8 +269,8 @@
             </a:prstGeom>
             <a:ln w="9525">
               <a:solidFill>
-                <a:schemeClr val="bg1">
-                  <a:lumMod val="85000"/>
+                <a:schemeClr val="accent1">
+                  <a:alpha val="70000"/>
                 </a:schemeClr>
               </a:solidFill>
             </a:ln>
@@ -229,7 +292,7 @@
         </p:cxnSp>
         <p:sp>
           <p:nvSpPr>
-            <p:cNvPr id="24" name="Rectangle 23"/>
+            <p:cNvPr id="21" name="Rectangle 23"/>
             <p:cNvSpPr/>
             <p:nvPr/>
           </p:nvSpPr>
@@ -267,7 +330,7 @@
             </a:custGeom>
             <a:solidFill>
               <a:schemeClr val="accent1">
-                <a:alpha val="30000"/>
+                <a:alpha val="36000"/>
               </a:schemeClr>
             </a:solidFill>
             <a:ln>
@@ -292,7 +355,7 @@
         </p:sp>
         <p:sp>
           <p:nvSpPr>
-            <p:cNvPr id="26" name="Rectangle 25"/>
+            <p:cNvPr id="22" name="Rectangle 25"/>
             <p:cNvSpPr/>
             <p:nvPr/>
           </p:nvSpPr>
@@ -355,7 +418,7 @@
         </p:sp>
         <p:sp>
           <p:nvSpPr>
-            <p:cNvPr id="27" name="Isosceles Triangle 26"/>
+            <p:cNvPr id="23" name="Isosceles Triangle 22"/>
             <p:cNvSpPr/>
             <p:nvPr/>
           </p:nvSpPr>
@@ -370,8 +433,9 @@
               </a:avLst>
             </a:prstGeom>
             <a:solidFill>
-              <a:schemeClr val="accent2">
-                <a:alpha val="72000"/>
+              <a:schemeClr val="accent1">
+                <a:lumMod val="75000"/>
+                <a:alpha val="66000"/>
               </a:schemeClr>
             </a:solidFill>
             <a:ln>
@@ -396,7 +460,7 @@
         </p:sp>
         <p:sp>
           <p:nvSpPr>
-            <p:cNvPr id="28" name="Rectangle 27"/>
+            <p:cNvPr id="24" name="Rectangle 27"/>
             <p:cNvSpPr/>
             <p:nvPr/>
           </p:nvSpPr>
@@ -433,9 +497,9 @@
               </a:pathLst>
             </a:custGeom>
             <a:solidFill>
-              <a:schemeClr val="accent2">
+              <a:schemeClr val="accent1">
                 <a:lumMod val="75000"/>
-                <a:alpha val="70000"/>
+                <a:alpha val="50000"/>
               </a:schemeClr>
             </a:solidFill>
             <a:ln>
@@ -460,7 +524,7 @@
         </p:sp>
         <p:sp>
           <p:nvSpPr>
-            <p:cNvPr id="29" name="Rectangle 28"/>
+            <p:cNvPr id="25" name="Rectangle 28"/>
             <p:cNvSpPr/>
             <p:nvPr/>
           </p:nvSpPr>
@@ -497,9 +561,7 @@
               </a:pathLst>
             </a:custGeom>
             <a:solidFill>
-              <a:schemeClr val="accent1">
-                <a:lumMod val="60000"/>
-                <a:lumOff val="40000"/>
+              <a:schemeClr val="accent2">
                 <a:alpha val="70000"/>
               </a:schemeClr>
             </a:solidFill>
@@ -525,7 +587,7 @@
         </p:sp>
         <p:sp>
           <p:nvSpPr>
-            <p:cNvPr id="30" name="Rectangle 29"/>
+            <p:cNvPr id="26" name="Rectangle 29"/>
             <p:cNvSpPr/>
             <p:nvPr/>
           </p:nvSpPr>
@@ -562,48 +624,8 @@
               </a:pathLst>
             </a:custGeom>
             <a:solidFill>
-              <a:schemeClr val="accent1">
-                <a:alpha val="65000"/>
-              </a:schemeClr>
-            </a:solidFill>
-            <a:ln>
-              <a:noFill/>
-            </a:ln>
-            <a:effectLst/>
-          </p:spPr>
-          <p:style>
-            <a:lnRef idx="1">
-              <a:schemeClr val="accent1"/>
-            </a:lnRef>
-            <a:fillRef idx="3">
-              <a:schemeClr val="accent1"/>
-            </a:fillRef>
-            <a:effectRef idx="2">
-              <a:schemeClr val="accent1"/>
-            </a:effectRef>
-            <a:fontRef idx="minor">
-              <a:schemeClr val="lt1"/>
-            </a:fontRef>
-          </p:style>
-        </p:sp>
-        <p:sp>
-          <p:nvSpPr>
-            <p:cNvPr id="31" name="Isosceles Triangle 30"/>
-            <p:cNvSpPr/>
-            <p:nvPr/>
-          </p:nvSpPr>
-          <p:spPr>
-            <a:xfrm>
-              <a:off x="10371666" y="3589867"/>
-              <a:ext cx="1817159" cy="3268133"/>
-            </a:xfrm>
-            <a:prstGeom prst="triangle">
-              <a:avLst>
-                <a:gd name="adj" fmla="val 100000"/>
-              </a:avLst>
-            </a:prstGeom>
-            <a:solidFill>
-              <a:schemeClr val="accent1">
+              <a:schemeClr val="accent2">
+                <a:lumMod val="75000"/>
                 <a:alpha val="80000"/>
               </a:schemeClr>
             </a:solidFill>
@@ -629,14 +651,14 @@
         </p:sp>
         <p:sp>
           <p:nvSpPr>
-            <p:cNvPr id="19" name="Isosceles Triangle 18"/>
+            <p:cNvPr id="27" name="Isosceles Triangle 26"/>
             <p:cNvSpPr/>
             <p:nvPr/>
           </p:nvSpPr>
           <p:spPr>
-            <a:xfrm rot="10800000">
-              <a:off x="0" y="0"/>
-              <a:ext cx="842596" cy="5666154"/>
+            <a:xfrm>
+              <a:off x="10371666" y="3589867"/>
+              <a:ext cx="1817159" cy="3268133"/>
             </a:xfrm>
             <a:prstGeom prst="triangle">
               <a:avLst>
@@ -645,7 +667,8 @@
             </a:prstGeom>
             <a:solidFill>
               <a:schemeClr val="accent1">
-                <a:alpha val="85000"/>
+                <a:lumMod val="75000"/>
+                <a:alpha val="66000"/>
               </a:schemeClr>
             </a:solidFill>
             <a:ln>
@@ -895,7 +918,7 @@
     </p:spTree>
     <p:extLst>
       <p:ext uri="{BB962C8B-B14F-4D97-AF65-F5344CB8AC3E}">
-        <p14:creationId xmlns:p14="http://schemas.microsoft.com/office/powerpoint/2010/main" val="2720651244"/>
+        <p14:creationId xmlns:p14="http://schemas.microsoft.com/office/powerpoint/2010/main" val="2675904938"/>
       </p:ext>
     </p:extLst>
   </p:cSld>
@@ -1146,7 +1169,7 @@
     </p:spTree>
     <p:extLst>
       <p:ext uri="{BB962C8B-B14F-4D97-AF65-F5344CB8AC3E}">
-        <p14:creationId xmlns:p14="http://schemas.microsoft.com/office/powerpoint/2010/main" val="2924875267"/>
+        <p14:creationId xmlns:p14="http://schemas.microsoft.com/office/powerpoint/2010/main" val="1109982286"/>
       </p:ext>
     </p:extLst>
   </p:cSld>
@@ -1459,7 +1482,7 @@
       </p:sp>
       <p:sp>
         <p:nvSpPr>
-          <p:cNvPr id="20" name="TextBox 19"/>
+          <p:cNvPr id="24" name="TextBox 23"/>
           <p:cNvSpPr txBox="1"/>
           <p:nvPr/>
         </p:nvSpPr>
@@ -1500,7 +1523,7 @@
       </p:sp>
       <p:sp>
         <p:nvSpPr>
-          <p:cNvPr id="22" name="TextBox 21"/>
+          <p:cNvPr id="25" name="TextBox 24"/>
           <p:cNvSpPr txBox="1"/>
           <p:nvPr/>
         </p:nvSpPr>
@@ -1531,26 +1554,18 @@
                     <a:lumOff val="40000"/>
                   </a:schemeClr>
                 </a:solidFill>
+                <a:effectLst/>
                 <a:latin typeface="Arial"/>
               </a:rPr>
               <a:t>”</a:t>
             </a:r>
-            <a:endParaRPr lang="en-US" dirty="0">
-              <a:solidFill>
-                <a:schemeClr val="accent1">
-                  <a:lumMod val="60000"/>
-                  <a:lumOff val="40000"/>
-                </a:schemeClr>
-              </a:solidFill>
-              <a:latin typeface="Arial"/>
-            </a:endParaRPr>
           </a:p>
         </p:txBody>
       </p:sp>
     </p:spTree>
     <p:extLst>
       <p:ext uri="{BB962C8B-B14F-4D97-AF65-F5344CB8AC3E}">
-        <p14:creationId xmlns:p14="http://schemas.microsoft.com/office/powerpoint/2010/main" val="1157349776"/>
+        <p14:creationId xmlns:p14="http://schemas.microsoft.com/office/powerpoint/2010/main" val="4151710991"/>
       </p:ext>
     </p:extLst>
   </p:cSld>
@@ -1801,7 +1816,7 @@
     </p:spTree>
     <p:extLst>
       <p:ext uri="{BB962C8B-B14F-4D97-AF65-F5344CB8AC3E}">
-        <p14:creationId xmlns:p14="http://schemas.microsoft.com/office/powerpoint/2010/main" val="2609511758"/>
+        <p14:creationId xmlns:p14="http://schemas.microsoft.com/office/powerpoint/2010/main" val="3811451436"/>
       </p:ext>
     </p:extLst>
   </p:cSld>
@@ -2197,7 +2212,7 @@
     </p:spTree>
     <p:extLst>
       <p:ext uri="{BB962C8B-B14F-4D97-AF65-F5344CB8AC3E}">
-        <p14:creationId xmlns:p14="http://schemas.microsoft.com/office/powerpoint/2010/main" val="975517393"/>
+        <p14:creationId xmlns:p14="http://schemas.microsoft.com/office/powerpoint/2010/main" val="1667513101"/>
       </p:ext>
     </p:extLst>
   </p:cSld>
@@ -2508,7 +2523,7 @@
     </p:spTree>
     <p:extLst>
       <p:ext uri="{BB962C8B-B14F-4D97-AF65-F5344CB8AC3E}">
-        <p14:creationId xmlns:p14="http://schemas.microsoft.com/office/powerpoint/2010/main" val="731539889"/>
+        <p14:creationId xmlns:p14="http://schemas.microsoft.com/office/powerpoint/2010/main" val="1230027598"/>
       </p:ext>
     </p:extLst>
   </p:cSld>
@@ -2710,7 +2725,7 @@
     </p:spTree>
     <p:extLst>
       <p:ext uri="{BB962C8B-B14F-4D97-AF65-F5344CB8AC3E}">
-        <p14:creationId xmlns:p14="http://schemas.microsoft.com/office/powerpoint/2010/main" val="35161963"/>
+        <p14:creationId xmlns:p14="http://schemas.microsoft.com/office/powerpoint/2010/main" val="1878553042"/>
       </p:ext>
     </p:extLst>
   </p:cSld>
@@ -2922,7 +2937,7 @@
     </p:spTree>
     <p:extLst>
       <p:ext uri="{BB962C8B-B14F-4D97-AF65-F5344CB8AC3E}">
-        <p14:creationId xmlns:p14="http://schemas.microsoft.com/office/powerpoint/2010/main" val="3944825200"/>
+        <p14:creationId xmlns:p14="http://schemas.microsoft.com/office/powerpoint/2010/main" val="2232669664"/>
       </p:ext>
     </p:extLst>
   </p:cSld>
@@ -2961,14 +2976,8 @@
         </p:nvSpPr>
         <p:spPr/>
         <p:txBody>
-          <a:bodyPr>
-            <a:normAutofit/>
-          </a:bodyPr>
-          <a:lstStyle>
-            <a:lvl1pPr>
-              <a:defRPr sz="3600"/>
-            </a:lvl1pPr>
-          </a:lstStyle>
+          <a:bodyPr/>
+          <a:lstStyle/>
           <a:p>
             <a:r>
               <a:rPr lang="ja-JP" altLang="en-US" smtClean="0"/>
@@ -3130,7 +3139,7 @@
     </p:spTree>
     <p:extLst>
       <p:ext uri="{BB962C8B-B14F-4D97-AF65-F5344CB8AC3E}">
-        <p14:creationId xmlns:p14="http://schemas.microsoft.com/office/powerpoint/2010/main" val="3769849568"/>
+        <p14:creationId xmlns:p14="http://schemas.microsoft.com/office/powerpoint/2010/main" val="2905197453"/>
       </p:ext>
     </p:extLst>
   </p:cSld>
@@ -3377,7 +3386,7 @@
     </p:spTree>
     <p:extLst>
       <p:ext uri="{BB962C8B-B14F-4D97-AF65-F5344CB8AC3E}">
-        <p14:creationId xmlns:p14="http://schemas.microsoft.com/office/powerpoint/2010/main" val="4013185715"/>
+        <p14:creationId xmlns:p14="http://schemas.microsoft.com/office/powerpoint/2010/main" val="3559060727"/>
       </p:ext>
     </p:extLst>
   </p:cSld>
@@ -3673,7 +3682,7 @@
     </p:spTree>
     <p:extLst>
       <p:ext uri="{BB962C8B-B14F-4D97-AF65-F5344CB8AC3E}">
-        <p14:creationId xmlns:p14="http://schemas.microsoft.com/office/powerpoint/2010/main" val="3139246387"/>
+        <p14:creationId xmlns:p14="http://schemas.microsoft.com/office/powerpoint/2010/main" val="1894953628"/>
       </p:ext>
     </p:extLst>
   </p:cSld>
@@ -4111,7 +4120,7 @@
     </p:spTree>
     <p:extLst>
       <p:ext uri="{BB962C8B-B14F-4D97-AF65-F5344CB8AC3E}">
-        <p14:creationId xmlns:p14="http://schemas.microsoft.com/office/powerpoint/2010/main" val="1214131406"/>
+        <p14:creationId xmlns:p14="http://schemas.microsoft.com/office/powerpoint/2010/main" val="3908968709"/>
       </p:ext>
     </p:extLst>
   </p:cSld>
@@ -4234,7 +4243,7 @@
     </p:spTree>
     <p:extLst>
       <p:ext uri="{BB962C8B-B14F-4D97-AF65-F5344CB8AC3E}">
-        <p14:creationId xmlns:p14="http://schemas.microsoft.com/office/powerpoint/2010/main" val="728028674"/>
+        <p14:creationId xmlns:p14="http://schemas.microsoft.com/office/powerpoint/2010/main" val="2686326198"/>
       </p:ext>
     </p:extLst>
   </p:cSld>
@@ -4329,7 +4338,7 @@
     </p:spTree>
     <p:extLst>
       <p:ext uri="{BB962C8B-B14F-4D97-AF65-F5344CB8AC3E}">
-        <p14:creationId xmlns:p14="http://schemas.microsoft.com/office/powerpoint/2010/main" val="1141075351"/>
+        <p14:creationId xmlns:p14="http://schemas.microsoft.com/office/powerpoint/2010/main" val="2319962801"/>
       </p:ext>
     </p:extLst>
   </p:cSld>
@@ -4616,7 +4625,7 @@
     </p:spTree>
     <p:extLst>
       <p:ext uri="{BB962C8B-B14F-4D97-AF65-F5344CB8AC3E}">
-        <p14:creationId xmlns:p14="http://schemas.microsoft.com/office/powerpoint/2010/main" val="2766546192"/>
+        <p14:creationId xmlns:p14="http://schemas.microsoft.com/office/powerpoint/2010/main" val="2779057826"/>
       </p:ext>
     </p:extLst>
   </p:cSld>
@@ -4813,6 +4822,48 @@
       </p:sp>
       <p:sp>
         <p:nvSpPr>
+          <p:cNvPr id="6" name="Footer Placeholder 5"/>
+          <p:cNvSpPr>
+            <a:spLocks noGrp="1"/>
+          </p:cNvSpPr>
+          <p:nvPr>
+            <p:ph type="ftr" sz="quarter" idx="11"/>
+          </p:nvPr>
+        </p:nvSpPr>
+        <p:spPr/>
+        <p:txBody>
+          <a:bodyPr/>
+          <a:lstStyle/>
+          <a:p>
+            <a:endParaRPr kumimoji="1" lang="ja-JP" altLang="en-US"/>
+          </a:p>
+        </p:txBody>
+      </p:sp>
+      <p:sp>
+        <p:nvSpPr>
+          <p:cNvPr id="7" name="Slide Number Placeholder 6"/>
+          <p:cNvSpPr>
+            <a:spLocks noGrp="1"/>
+          </p:cNvSpPr>
+          <p:nvPr>
+            <p:ph type="sldNum" sz="quarter" idx="12"/>
+          </p:nvPr>
+        </p:nvSpPr>
+        <p:spPr/>
+        <p:txBody>
+          <a:bodyPr/>
+          <a:lstStyle/>
+          <a:p>
+            <a:fld id="{D45D0853-FE53-45DF-9D3F-EC998748DE8D}" type="slidenum">
+              <a:rPr kumimoji="1" lang="ja-JP" altLang="en-US" smtClean="0"/>
+              <a:t>‹#›</a:t>
+            </a:fld>
+            <a:endParaRPr kumimoji="1" lang="ja-JP" altLang="en-US"/>
+          </a:p>
+        </p:txBody>
+      </p:sp>
+      <p:sp>
+        <p:nvSpPr>
           <p:cNvPr id="5" name="Date Placeholder 4"/>
           <p:cNvSpPr>
             <a:spLocks noGrp="1"/>
@@ -4834,52 +4885,10 @@
           </a:p>
         </p:txBody>
       </p:sp>
-      <p:sp>
-        <p:nvSpPr>
-          <p:cNvPr id="6" name="Footer Placeholder 5"/>
-          <p:cNvSpPr>
-            <a:spLocks noGrp="1"/>
-          </p:cNvSpPr>
-          <p:nvPr>
-            <p:ph type="ftr" sz="quarter" idx="11"/>
-          </p:nvPr>
-        </p:nvSpPr>
-        <p:spPr/>
-        <p:txBody>
-          <a:bodyPr/>
-          <a:lstStyle/>
-          <a:p>
-            <a:endParaRPr kumimoji="1" lang="ja-JP" altLang="en-US"/>
-          </a:p>
-        </p:txBody>
-      </p:sp>
-      <p:sp>
-        <p:nvSpPr>
-          <p:cNvPr id="7" name="Slide Number Placeholder 6"/>
-          <p:cNvSpPr>
-            <a:spLocks noGrp="1"/>
-          </p:cNvSpPr>
-          <p:nvPr>
-            <p:ph type="sldNum" sz="quarter" idx="12"/>
-          </p:nvPr>
-        </p:nvSpPr>
-        <p:spPr/>
-        <p:txBody>
-          <a:bodyPr/>
-          <a:lstStyle/>
-          <a:p>
-            <a:fld id="{D45D0853-FE53-45DF-9D3F-EC998748DE8D}" type="slidenum">
-              <a:rPr kumimoji="1" lang="ja-JP" altLang="en-US" smtClean="0"/>
-              <a:t>‹#›</a:t>
-            </a:fld>
-            <a:endParaRPr kumimoji="1" lang="ja-JP" altLang="en-US"/>
-          </a:p>
-        </p:txBody>
-      </p:sp>
     </p:spTree>
     <p:extLst>
       <p:ext uri="{BB962C8B-B14F-4D97-AF65-F5344CB8AC3E}">
-        <p14:creationId xmlns:p14="http://schemas.microsoft.com/office/powerpoint/2010/main" val="2112425852"/>
+        <p14:creationId xmlns:p14="http://schemas.microsoft.com/office/powerpoint/2010/main" val="1142613513"/>
       </p:ext>
     </p:extLst>
   </p:cSld>
@@ -4913,7 +4922,7 @@
       </p:grpSpPr>
       <p:grpSp>
         <p:nvGrpSpPr>
-          <p:cNvPr id="7" name="Group 6"/>
+          <p:cNvPr id="44" name="Group 43"/>
           <p:cNvGrpSpPr/>
           <p:nvPr/>
         </p:nvGrpSpPr>
@@ -4941,8 +4950,8 @@
             </a:prstGeom>
             <a:ln w="9525">
               <a:solidFill>
-                <a:schemeClr val="bg1">
-                  <a:lumMod val="75000"/>
+                <a:schemeClr val="accent1">
+                  <a:alpha val="70000"/>
                 </a:schemeClr>
               </a:solidFill>
             </a:ln>
@@ -4978,8 +4987,8 @@
             </a:prstGeom>
             <a:ln w="9525">
               <a:solidFill>
-                <a:schemeClr val="bg1">
-                  <a:lumMod val="85000"/>
+                <a:schemeClr val="accent1">
+                  <a:alpha val="70000"/>
                 </a:schemeClr>
               </a:solidFill>
             </a:ln>
@@ -5039,7 +5048,7 @@
             </a:custGeom>
             <a:solidFill>
               <a:schemeClr val="accent1">
-                <a:alpha val="30000"/>
+                <a:alpha val="36000"/>
               </a:schemeClr>
             </a:solidFill>
             <a:ln>
@@ -5142,8 +5151,9 @@
               </a:avLst>
             </a:prstGeom>
             <a:solidFill>
-              <a:schemeClr val="accent2">
-                <a:alpha val="72000"/>
+              <a:schemeClr val="accent1">
+                <a:lumMod val="75000"/>
+                <a:alpha val="66000"/>
               </a:schemeClr>
             </a:solidFill>
             <a:ln>
@@ -5205,9 +5215,9 @@
               </a:pathLst>
             </a:custGeom>
             <a:solidFill>
-              <a:schemeClr val="accent2">
+              <a:schemeClr val="accent1">
                 <a:lumMod val="75000"/>
-                <a:alpha val="70000"/>
+                <a:alpha val="50000"/>
               </a:schemeClr>
             </a:solidFill>
             <a:ln>
@@ -5269,9 +5279,7 @@
               </a:pathLst>
             </a:custGeom>
             <a:solidFill>
-              <a:schemeClr val="accent1">
-                <a:lumMod val="60000"/>
-                <a:lumOff val="40000"/>
+              <a:schemeClr val="accent2">
                 <a:alpha val="70000"/>
               </a:schemeClr>
             </a:solidFill>
@@ -5334,8 +5342,9 @@
               </a:pathLst>
             </a:custGeom>
             <a:solidFill>
-              <a:schemeClr val="accent1">
-                <a:alpha val="65000"/>
+              <a:schemeClr val="accent2">
+                <a:lumMod val="75000"/>
+                <a:alpha val="80000"/>
               </a:schemeClr>
             </a:solidFill>
             <a:ln>
@@ -5376,7 +5385,8 @@
             </a:prstGeom>
             <a:solidFill>
               <a:schemeClr val="accent1">
-                <a:alpha val="80000"/>
+                <a:lumMod val="75000"/>
+                <a:alpha val="66000"/>
               </a:schemeClr>
             </a:solidFill>
             <a:ln>
@@ -5401,7 +5411,7 @@
         </p:sp>
         <p:sp>
           <p:nvSpPr>
-            <p:cNvPr id="29" name="Isosceles Triangle 28"/>
+            <p:cNvPr id="19" name="Isosceles Triangle 18"/>
             <p:cNvSpPr/>
             <p:nvPr/>
           </p:nvSpPr>
@@ -5417,7 +5427,7 @@
             </a:prstGeom>
             <a:solidFill>
               <a:schemeClr val="accent1">
-                <a:alpha val="85000"/>
+                <a:alpha val="70000"/>
               </a:schemeClr>
             </a:solidFill>
             <a:ln>
@@ -5688,28 +5698,28 @@
     </p:spTree>
     <p:extLst>
       <p:ext uri="{BB962C8B-B14F-4D97-AF65-F5344CB8AC3E}">
-        <p14:creationId xmlns:p14="http://schemas.microsoft.com/office/powerpoint/2010/main" val="129626787"/>
+        <p14:creationId xmlns:p14="http://schemas.microsoft.com/office/powerpoint/2010/main" val="1453138577"/>
       </p:ext>
     </p:extLst>
   </p:cSld>
   <p:clrMap bg1="lt1" tx1="dk1" bg2="lt2" tx2="dk2" accent1="accent1" accent2="accent2" accent3="accent3" accent4="accent4" accent5="accent5" accent6="accent6" hlink="hlink" folHlink="folHlink"/>
   <p:sldLayoutIdLst>
-    <p:sldLayoutId id="2147483707" r:id="rId1"/>
-    <p:sldLayoutId id="2147483708" r:id="rId2"/>
-    <p:sldLayoutId id="2147483709" r:id="rId3"/>
-    <p:sldLayoutId id="2147483710" r:id="rId4"/>
-    <p:sldLayoutId id="2147483711" r:id="rId5"/>
-    <p:sldLayoutId id="2147483712" r:id="rId6"/>
-    <p:sldLayoutId id="2147483713" r:id="rId7"/>
-    <p:sldLayoutId id="2147483714" r:id="rId8"/>
-    <p:sldLayoutId id="2147483715" r:id="rId9"/>
-    <p:sldLayoutId id="2147483716" r:id="rId10"/>
-    <p:sldLayoutId id="2147483717" r:id="rId11"/>
-    <p:sldLayoutId id="2147483718" r:id="rId12"/>
-    <p:sldLayoutId id="2147483719" r:id="rId13"/>
-    <p:sldLayoutId id="2147483720" r:id="rId14"/>
-    <p:sldLayoutId id="2147483721" r:id="rId15"/>
-    <p:sldLayoutId id="2147483722" r:id="rId16"/>
+    <p:sldLayoutId id="2147483838" r:id="rId1"/>
+    <p:sldLayoutId id="2147483839" r:id="rId2"/>
+    <p:sldLayoutId id="2147483840" r:id="rId3"/>
+    <p:sldLayoutId id="2147483841" r:id="rId4"/>
+    <p:sldLayoutId id="2147483842" r:id="rId5"/>
+    <p:sldLayoutId id="2147483843" r:id="rId6"/>
+    <p:sldLayoutId id="2147483844" r:id="rId7"/>
+    <p:sldLayoutId id="2147483845" r:id="rId8"/>
+    <p:sldLayoutId id="2147483846" r:id="rId9"/>
+    <p:sldLayoutId id="2147483847" r:id="rId10"/>
+    <p:sldLayoutId id="2147483848" r:id="rId11"/>
+    <p:sldLayoutId id="2147483849" r:id="rId12"/>
+    <p:sldLayoutId id="2147483850" r:id="rId13"/>
+    <p:sldLayoutId id="2147483851" r:id="rId14"/>
+    <p:sldLayoutId id="2147483852" r:id="rId15"/>
+    <p:sldLayoutId id="2147483853" r:id="rId16"/>
   </p:sldLayoutIdLst>
   <p:txStyles>
     <p:titleStyle>
@@ -6948,8 +6958,8 @@
         </p:nvSpPr>
         <p:spPr>
           <a:xfrm>
-            <a:off x="395654" y="4624754"/>
-            <a:ext cx="6814038" cy="646331"/>
+            <a:off x="395653" y="4624754"/>
+            <a:ext cx="9873761" cy="646331"/>
           </a:xfrm>
           <a:prstGeom prst="rect">
             <a:avLst/>
@@ -6971,16 +6981,32 @@
               <a:t>1.  </a:t>
             </a:r>
             <a:r>
+              <a:rPr lang="ja-JP" altLang="en-US" dirty="0" smtClean="0"/>
+              <a:t>顧客情報を</a:t>
+            </a:r>
+            <a:r>
               <a:rPr kumimoji="1" lang="ja-JP" altLang="en-US" dirty="0" smtClean="0"/>
-              <a:t>顧客</a:t>
+              <a:t>記入</a:t>
+            </a:r>
+            <a:r>
+              <a:rPr kumimoji="1" lang="ja-JP" altLang="en-US" dirty="0" smtClean="0"/>
+              <a:t>して</a:t>
+            </a:r>
+            <a:r>
+              <a:rPr kumimoji="1" lang="ja-JP" altLang="en-US" dirty="0" smtClean="0"/>
+              <a:t>ください（顧客</a:t>
             </a:r>
             <a:r>
               <a:rPr kumimoji="1" lang="en-US" altLang="ja-JP" dirty="0" smtClean="0"/>
               <a:t>NO</a:t>
             </a:r>
             <a:r>
+              <a:rPr kumimoji="1" lang="ja-JP" altLang="en-US" dirty="0" err="1" smtClean="0"/>
+              <a:t>、</a:t>
+            </a:r>
+            <a:r>
               <a:rPr kumimoji="1" lang="ja-JP" altLang="en-US" dirty="0" smtClean="0"/>
-              <a:t>と名前とフリガナと性別だけは必ず記入してください</a:t>
+              <a:t>名前、フリガナ、性別は必ず記入してください）</a:t>
             </a:r>
             <a:endParaRPr kumimoji="1" lang="en-US" altLang="ja-JP" dirty="0" smtClean="0"/>
           </a:p>
@@ -7937,7 +7963,19 @@
             </a:pPr>
             <a:r>
               <a:rPr lang="ja-JP" altLang="en-US" dirty="0" smtClean="0"/>
-              <a:t>選択したデータが更新・編集・更新のデータにでる</a:t>
+              <a:t>選択したデータが更新・編集・更新</a:t>
+            </a:r>
+            <a:r>
+              <a:rPr lang="ja-JP" altLang="en-US" dirty="0" smtClean="0"/>
+              <a:t>の画像にデータ</a:t>
+            </a:r>
+            <a:r>
+              <a:rPr lang="ja-JP" altLang="en-US" dirty="0"/>
+              <a:t>が</a:t>
+            </a:r>
+            <a:r>
+              <a:rPr lang="ja-JP" altLang="en-US" dirty="0" smtClean="0"/>
+              <a:t>でる</a:t>
             </a:r>
             <a:endParaRPr kumimoji="1" lang="en-US" altLang="ja-JP" dirty="0" smtClean="0"/>
           </a:p>
@@ -8139,7 +8177,22 @@
             </a:pPr>
             <a:r>
               <a:rPr lang="ja-JP" altLang="en-US" dirty="0" smtClean="0"/>
-              <a:t>検索したデータを編集をする</a:t>
+              <a:t>検索ボタンで編集したいデータをよびだす</a:t>
+            </a:r>
+            <a:endParaRPr lang="en-US" altLang="ja-JP" dirty="0" smtClean="0"/>
+          </a:p>
+          <a:p>
+            <a:pPr marL="514350" indent="-514350">
+              <a:buFont typeface="+mj-lt"/>
+              <a:buAutoNum type="arabicPeriod"/>
+            </a:pPr>
+            <a:r>
+              <a:rPr lang="ja-JP" altLang="en-US" dirty="0" smtClean="0"/>
+              <a:t>検索</a:t>
+            </a:r>
+            <a:r>
+              <a:rPr lang="ja-JP" altLang="en-US" dirty="0" smtClean="0"/>
+              <a:t>したデータを編集をする</a:t>
             </a:r>
             <a:endParaRPr lang="en-US" altLang="ja-JP" dirty="0" smtClean="0"/>
           </a:p>
@@ -8498,28 +8551,28 @@
         <a:srgbClr val="EBEBEB"/>
       </a:lt2>
       <a:accent1>
-        <a:srgbClr val="90C226"/>
+        <a:srgbClr val="5FCBEF"/>
       </a:accent1>
       <a:accent2>
-        <a:srgbClr val="54A021"/>
+        <a:srgbClr val="2E83C3"/>
       </a:accent2>
       <a:accent3>
-        <a:srgbClr val="E6B91E"/>
+        <a:srgbClr val="42D0A2"/>
       </a:accent3>
       <a:accent4>
-        <a:srgbClr val="E76618"/>
+        <a:srgbClr val="2E946B"/>
       </a:accent4>
       <a:accent5>
-        <a:srgbClr val="C42F1A"/>
+        <a:srgbClr val="42B051"/>
       </a:accent5>
       <a:accent6>
-        <a:srgbClr val="918655"/>
+        <a:srgbClr val="96D141"/>
       </a:accent6>
       <a:hlink>
-        <a:srgbClr val="99CA3C"/>
+        <a:srgbClr val="3FCDE7"/>
       </a:hlink>
       <a:folHlink>
-        <a:srgbClr val="B9D181"/>
+        <a:srgbClr val="A9D3E1"/>
       </a:folHlink>
     </a:clrScheme>
     <a:fontScheme name="ファセット">
@@ -8732,7 +8785,7 @@
   <a:extraClrSchemeLst/>
   <a:extLst>
     <a:ext uri="{05A4C25C-085E-4340-85A3-A5531E510DB2}">
-      <thm15:themeFamily xmlns:thm15="http://schemas.microsoft.com/office/thememl/2012/main" name="Facet" id="{C0C680CD-088A-49FC-A102-D699147F32B2}" vid="{CFBC31BA-B70F-4F30-BCAA-4F3011E16C4D}"/>
+      <thm15:themeFamily xmlns:thm15="http://schemas.microsoft.com/office/thememl/2012/main" name="Facet" id="{C0C680CD-088A-49FC-A102-D699147F32B2}" vid="{0B5AB586-D108-4FC1-8368-649FE654B894}"/>
     </a:ext>
   </a:extLst>
 </a:theme>
